--- a/week8_python3/week8_python3.pptx
+++ b/week8_python3/week8_python3.pptx
@@ -5,7 +5,7 @@
     <p:sldMasterId id="2147483648" r:id="rId1"/>
   </p:sldMasterIdLst>
   <p:notesMasterIdLst>
-    <p:notesMasterId r:id="rId20"/>
+    <p:notesMasterId r:id="rId21"/>
   </p:notesMasterIdLst>
   <p:sldIdLst>
     <p:sldId id="323" r:id="rId2"/>
@@ -25,7 +25,8 @@
     <p:sldId id="339" r:id="rId16"/>
     <p:sldId id="332" r:id="rId17"/>
     <p:sldId id="340" r:id="rId18"/>
-    <p:sldId id="334" r:id="rId19"/>
+    <p:sldId id="342" r:id="rId19"/>
+    <p:sldId id="334" r:id="rId20"/>
   </p:sldIdLst>
   <p:sldSz cx="12192000" cy="6858000"/>
   <p:notesSz cx="6858000" cy="9144000"/>
@@ -214,7 +215,7 @@
           <a:p>
             <a:fld id="{31739141-2DAA-2346-BEF0-0594A5BB306A}" type="datetimeFigureOut">
               <a:rPr lang="en-US" smtClean="0"/>
-              <a:t>10/17/23</a:t>
+              <a:t>10/17/24</a:t>
             </a:fld>
             <a:endParaRPr lang="en-US"/>
           </a:p>
@@ -714,7 +715,7 @@
           <a:p>
             <a:fld id="{FBC3CC19-939B-124D-AEB5-0A0C0D7EEB85}" type="slidenum">
               <a:rPr lang="en-US" smtClean="0"/>
-              <a:t>18</a:t>
+              <a:t>19</a:t>
             </a:fld>
             <a:endParaRPr lang="en-US"/>
           </a:p>
@@ -880,7 +881,7 @@
           <a:p>
             <a:fld id="{69F9884C-D6B0-574D-ABEB-4B3275C742BC}" type="datetimeFigureOut">
               <a:rPr lang="en-US" smtClean="0"/>
-              <a:t>10/17/23</a:t>
+              <a:t>10/17/24</a:t>
             </a:fld>
             <a:endParaRPr lang="en-US"/>
           </a:p>
@@ -1078,7 +1079,7 @@
           <a:p>
             <a:fld id="{69F9884C-D6B0-574D-ABEB-4B3275C742BC}" type="datetimeFigureOut">
               <a:rPr lang="en-US" smtClean="0"/>
-              <a:t>10/17/23</a:t>
+              <a:t>10/17/24</a:t>
             </a:fld>
             <a:endParaRPr lang="en-US"/>
           </a:p>
@@ -1286,7 +1287,7 @@
           <a:p>
             <a:fld id="{69F9884C-D6B0-574D-ABEB-4B3275C742BC}" type="datetimeFigureOut">
               <a:rPr lang="en-US" smtClean="0"/>
-              <a:t>10/17/23</a:t>
+              <a:t>10/17/24</a:t>
             </a:fld>
             <a:endParaRPr lang="en-US"/>
           </a:p>
@@ -1484,7 +1485,7 @@
           <a:p>
             <a:fld id="{69F9884C-D6B0-574D-ABEB-4B3275C742BC}" type="datetimeFigureOut">
               <a:rPr lang="en-US" smtClean="0"/>
-              <a:t>10/17/23</a:t>
+              <a:t>10/17/24</a:t>
             </a:fld>
             <a:endParaRPr lang="en-US"/>
           </a:p>
@@ -1759,7 +1760,7 @@
           <a:p>
             <a:fld id="{69F9884C-D6B0-574D-ABEB-4B3275C742BC}" type="datetimeFigureOut">
               <a:rPr lang="en-US" smtClean="0"/>
-              <a:t>10/17/23</a:t>
+              <a:t>10/17/24</a:t>
             </a:fld>
             <a:endParaRPr lang="en-US"/>
           </a:p>
@@ -2024,7 +2025,7 @@
           <a:p>
             <a:fld id="{69F9884C-D6B0-574D-ABEB-4B3275C742BC}" type="datetimeFigureOut">
               <a:rPr lang="en-US" smtClean="0"/>
-              <a:t>10/17/23</a:t>
+              <a:t>10/17/24</a:t>
             </a:fld>
             <a:endParaRPr lang="en-US"/>
           </a:p>
@@ -2436,7 +2437,7 @@
           <a:p>
             <a:fld id="{69F9884C-D6B0-574D-ABEB-4B3275C742BC}" type="datetimeFigureOut">
               <a:rPr lang="en-US" smtClean="0"/>
-              <a:t>10/17/23</a:t>
+              <a:t>10/17/24</a:t>
             </a:fld>
             <a:endParaRPr lang="en-US"/>
           </a:p>
@@ -2577,7 +2578,7 @@
           <a:p>
             <a:fld id="{69F9884C-D6B0-574D-ABEB-4B3275C742BC}" type="datetimeFigureOut">
               <a:rPr lang="en-US" smtClean="0"/>
-              <a:t>10/17/23</a:t>
+              <a:t>10/17/24</a:t>
             </a:fld>
             <a:endParaRPr lang="en-US"/>
           </a:p>
@@ -2690,7 +2691,7 @@
           <a:p>
             <a:fld id="{69F9884C-D6B0-574D-ABEB-4B3275C742BC}" type="datetimeFigureOut">
               <a:rPr lang="en-US" smtClean="0"/>
-              <a:t>10/17/23</a:t>
+              <a:t>10/17/24</a:t>
             </a:fld>
             <a:endParaRPr lang="en-US"/>
           </a:p>
@@ -3001,7 +3002,7 @@
           <a:p>
             <a:fld id="{69F9884C-D6B0-574D-ABEB-4B3275C742BC}" type="datetimeFigureOut">
               <a:rPr lang="en-US" smtClean="0"/>
-              <a:t>10/17/23</a:t>
+              <a:t>10/17/24</a:t>
             </a:fld>
             <a:endParaRPr lang="en-US"/>
           </a:p>
@@ -3289,7 +3290,7 @@
           <a:p>
             <a:fld id="{69F9884C-D6B0-574D-ABEB-4B3275C742BC}" type="datetimeFigureOut">
               <a:rPr lang="en-US" smtClean="0"/>
-              <a:t>10/17/23</a:t>
+              <a:t>10/17/24</a:t>
             </a:fld>
             <a:endParaRPr lang="en-US"/>
           </a:p>
@@ -3530,7 +3531,7 @@
           <a:p>
             <a:fld id="{69F9884C-D6B0-574D-ABEB-4B3275C742BC}" type="datetimeFigureOut">
               <a:rPr lang="en-US" smtClean="0"/>
-              <a:t>10/17/23</a:t>
+              <a:t>10/17/24</a:t>
             </a:fld>
             <a:endParaRPr lang="en-US"/>
           </a:p>
@@ -4236,7 +4237,7 @@
         <p:spPr>
           <a:xfrm>
             <a:off x="1302431" y="248124"/>
-            <a:ext cx="8749511" cy="600164"/>
+            <a:ext cx="9002786" cy="600164"/>
           </a:xfrm>
           <a:prstGeom prst="rect">
             <a:avLst/>
@@ -4253,7 +4254,7 @@
               <a:rPr lang="en-US" sz="3300" b="1" dirty="0">
                 <a:latin typeface="Helvetica Light" panose="020B0403020202020204" pitchFamily="34" charset="0"/>
               </a:rPr>
-              <a:t>I. </a:t>
+              <a:t>II. </a:t>
             </a:r>
             <a:r>
               <a:rPr lang="en-US" sz="3300" dirty="0">
@@ -7137,6 +7138,651 @@
 </file>
 
 <file path=ppt/slides/slide18.xml><?xml version="1.0" encoding="utf-8"?>
+<p:sld xmlns:a="http://schemas.openxmlformats.org/drawingml/2006/main" xmlns:r="http://schemas.openxmlformats.org/officeDocument/2006/relationships" xmlns:p="http://schemas.openxmlformats.org/presentationml/2006/main">
+  <p:cSld>
+    <p:spTree>
+      <p:nvGrpSpPr>
+        <p:cNvPr id="1" name=""/>
+        <p:cNvGrpSpPr/>
+        <p:nvPr/>
+      </p:nvGrpSpPr>
+      <p:grpSpPr>
+        <a:xfrm>
+          <a:off x="0" y="0"/>
+          <a:ext cx="0" cy="0"/>
+          <a:chOff x="0" y="0"/>
+          <a:chExt cx="0" cy="0"/>
+        </a:xfrm>
+      </p:grpSpPr>
+      <p:sp>
+        <p:nvSpPr>
+          <p:cNvPr id="2" name="TextBox 1">
+            <a:extLst>
+              <a:ext uri="{FF2B5EF4-FFF2-40B4-BE49-F238E27FC236}">
+                <a16:creationId xmlns:a16="http://schemas.microsoft.com/office/drawing/2014/main" id="{ADA23610-0C33-6640-B8EE-C729216B0AB1}"/>
+              </a:ext>
+            </a:extLst>
+          </p:cNvPr>
+          <p:cNvSpPr txBox="1"/>
+          <p:nvPr/>
+        </p:nvSpPr>
+        <p:spPr>
+          <a:xfrm>
+            <a:off x="4144183" y="216009"/>
+            <a:ext cx="3903633" cy="600164"/>
+          </a:xfrm>
+          <a:prstGeom prst="rect">
+            <a:avLst/>
+          </a:prstGeom>
+          <a:noFill/>
+        </p:spPr>
+        <p:txBody>
+          <a:bodyPr wrap="none" rtlCol="0">
+            <a:spAutoFit/>
+          </a:bodyPr>
+          <a:lstStyle/>
+          <a:p>
+            <a:r>
+              <a:rPr lang="en-US" sz="3300" dirty="0">
+                <a:latin typeface="Helvetica Light" panose="020B0403020202020204" pitchFamily="34" charset="0"/>
+                <a:cs typeface="Courier New" panose="02070309020205020404" pitchFamily="49" charset="0"/>
+              </a:rPr>
+              <a:t>Initializing variables</a:t>
+            </a:r>
+            <a:endParaRPr lang="en-US" sz="3300" dirty="0">
+              <a:latin typeface="Helvetica Light" panose="020B0403020202020204" pitchFamily="34" charset="0"/>
+            </a:endParaRPr>
+          </a:p>
+        </p:txBody>
+      </p:sp>
+      <p:sp>
+        <p:nvSpPr>
+          <p:cNvPr id="3" name="TextBox 2">
+            <a:extLst>
+              <a:ext uri="{FF2B5EF4-FFF2-40B4-BE49-F238E27FC236}">
+                <a16:creationId xmlns:a16="http://schemas.microsoft.com/office/drawing/2014/main" id="{86A6031A-1F47-1741-A772-CADB9AA79920}"/>
+              </a:ext>
+            </a:extLst>
+          </p:cNvPr>
+          <p:cNvSpPr txBox="1"/>
+          <p:nvPr/>
+        </p:nvSpPr>
+        <p:spPr>
+          <a:xfrm>
+            <a:off x="797559" y="1159104"/>
+            <a:ext cx="11293709" cy="954107"/>
+          </a:xfrm>
+          <a:prstGeom prst="rect">
+            <a:avLst/>
+          </a:prstGeom>
+          <a:noFill/>
+        </p:spPr>
+        <p:txBody>
+          <a:bodyPr wrap="square" rtlCol="0">
+            <a:spAutoFit/>
+          </a:bodyPr>
+          <a:lstStyle/>
+          <a:p>
+            <a:r>
+              <a:rPr lang="en-US" sz="2800" dirty="0">
+                <a:latin typeface="Helvetica Light" panose="020B0403020202020204" pitchFamily="34" charset="0"/>
+                <a:cs typeface="Courier New" panose="02070309020205020404" pitchFamily="49" charset="0"/>
+              </a:rPr>
+              <a:t>Variables that need to exist outside and within loops need to be </a:t>
+            </a:r>
+            <a:r>
+              <a:rPr lang="en-US" sz="2800" b="1" dirty="0">
+                <a:latin typeface="Helvetica Light" panose="020B0403020202020204" pitchFamily="34" charset="0"/>
+                <a:cs typeface="Courier New" panose="02070309020205020404" pitchFamily="49" charset="0"/>
+              </a:rPr>
+              <a:t>initialized</a:t>
+            </a:r>
+            <a:r>
+              <a:rPr lang="en-US" sz="2800" dirty="0">
+                <a:latin typeface="Helvetica Light" panose="020B0403020202020204" pitchFamily="34" charset="0"/>
+                <a:cs typeface="Courier New" panose="02070309020205020404" pitchFamily="49" charset="0"/>
+              </a:rPr>
+              <a:t> outside of the loop</a:t>
+            </a:r>
+            <a:endParaRPr lang="en-US" sz="2800" dirty="0">
+              <a:latin typeface="Helvetica Light" panose="020B0403020202020204" pitchFamily="34" charset="0"/>
+            </a:endParaRPr>
+          </a:p>
+        </p:txBody>
+      </p:sp>
+      <p:sp>
+        <p:nvSpPr>
+          <p:cNvPr id="4" name="Rectangle 3">
+            <a:extLst>
+              <a:ext uri="{FF2B5EF4-FFF2-40B4-BE49-F238E27FC236}">
+                <a16:creationId xmlns:a16="http://schemas.microsoft.com/office/drawing/2014/main" id="{4BC21DE9-0EB1-154C-8376-B83768195ED7}"/>
+              </a:ext>
+            </a:extLst>
+          </p:cNvPr>
+          <p:cNvSpPr/>
+          <p:nvPr/>
+        </p:nvSpPr>
+        <p:spPr>
+          <a:xfrm>
+            <a:off x="4794268" y="2456142"/>
+            <a:ext cx="6051212" cy="2893100"/>
+          </a:xfrm>
+          <a:prstGeom prst="rect">
+            <a:avLst/>
+          </a:prstGeom>
+          <a:ln>
+            <a:solidFill>
+              <a:schemeClr val="tx1"/>
+            </a:solidFill>
+          </a:ln>
+        </p:spPr>
+        <p:txBody>
+          <a:bodyPr wrap="square">
+            <a:spAutoFit/>
+          </a:bodyPr>
+          <a:lstStyle/>
+          <a:p>
+            <a:r>
+              <a:rPr lang="en-US" sz="2600" b="1" dirty="0" err="1">
+                <a:latin typeface="Courier New" panose="02070309020205020404" pitchFamily="49" charset="0"/>
+                <a:cs typeface="Courier New" panose="02070309020205020404" pitchFamily="49" charset="0"/>
+              </a:rPr>
+              <a:t>SeqNo</a:t>
+            </a:r>
+            <a:r>
+              <a:rPr lang="en-US" sz="2600" b="1" dirty="0">
+                <a:latin typeface="Courier New" panose="02070309020205020404" pitchFamily="49" charset="0"/>
+                <a:cs typeface="Courier New" panose="02070309020205020404" pitchFamily="49" charset="0"/>
+              </a:rPr>
+              <a:t> = 0</a:t>
+            </a:r>
+          </a:p>
+          <a:p>
+            <a:r>
+              <a:rPr lang="en-US" sz="2600" b="1" dirty="0">
+                <a:latin typeface="Courier New" panose="02070309020205020404" pitchFamily="49" charset="0"/>
+                <a:cs typeface="Courier New" panose="02070309020205020404" pitchFamily="49" charset="0"/>
+              </a:rPr>
+              <a:t>TAT = 0</a:t>
+            </a:r>
+          </a:p>
+          <a:p>
+            <a:endParaRPr lang="en-US" sz="2600" b="1" dirty="0">
+              <a:solidFill>
+                <a:schemeClr val="tx1">
+                  <a:lumMod val="65000"/>
+                  <a:lumOff val="35000"/>
+                </a:schemeClr>
+              </a:solidFill>
+              <a:latin typeface="Courier New" panose="02070309020205020404" pitchFamily="49" charset="0"/>
+              <a:cs typeface="Courier New" panose="02070309020205020404" pitchFamily="49" charset="0"/>
+            </a:endParaRPr>
+          </a:p>
+          <a:p>
+            <a:r>
+              <a:rPr lang="en-US" sz="2600" b="1" dirty="0">
+                <a:latin typeface="Courier New" panose="02070309020205020404" pitchFamily="49" charset="0"/>
+                <a:cs typeface="Courier New" panose="02070309020205020404" pitchFamily="49" charset="0"/>
+              </a:rPr>
+              <a:t>For Line in IN:</a:t>
+            </a:r>
+          </a:p>
+          <a:p>
+            <a:r>
+              <a:rPr lang="en-US" sz="2600" b="1" dirty="0">
+                <a:latin typeface="Courier New" panose="02070309020205020404" pitchFamily="49" charset="0"/>
+                <a:cs typeface="Courier New" panose="02070309020205020404" pitchFamily="49" charset="0"/>
+              </a:rPr>
+              <a:t>	List = </a:t>
+            </a:r>
+            <a:r>
+              <a:rPr lang="en-US" sz="2600" b="1" dirty="0" err="1">
+                <a:latin typeface="Courier New" panose="02070309020205020404" pitchFamily="49" charset="0"/>
+                <a:cs typeface="Courier New" panose="02070309020205020404" pitchFamily="49" charset="0"/>
+              </a:rPr>
+              <a:t>Line.split</a:t>
+            </a:r>
+            <a:r>
+              <a:rPr lang="en-US" sz="2600" b="1" dirty="0">
+                <a:latin typeface="Courier New" panose="02070309020205020404" pitchFamily="49" charset="0"/>
+                <a:cs typeface="Courier New" panose="02070309020205020404" pitchFamily="49" charset="0"/>
+              </a:rPr>
+              <a:t>(“,“)</a:t>
+            </a:r>
+          </a:p>
+          <a:p>
+            <a:r>
+              <a:rPr lang="en-US" sz="2600" b="1" dirty="0">
+                <a:latin typeface="Courier New" panose="02070309020205020404" pitchFamily="49" charset="0"/>
+                <a:cs typeface="Courier New" panose="02070309020205020404" pitchFamily="49" charset="0"/>
+              </a:rPr>
+              <a:t>	TAT += List[1]</a:t>
+            </a:r>
+          </a:p>
+          <a:p>
+            <a:r>
+              <a:rPr lang="en-US" sz="2600" b="1" dirty="0">
+                <a:latin typeface="Courier New" panose="02070309020205020404" pitchFamily="49" charset="0"/>
+                <a:cs typeface="Courier New" panose="02070309020205020404" pitchFamily="49" charset="0"/>
+              </a:rPr>
+              <a:t>	</a:t>
+            </a:r>
+            <a:r>
+              <a:rPr lang="en-US" sz="2600" b="1" dirty="0" err="1">
+                <a:latin typeface="Courier New" panose="02070309020205020404" pitchFamily="49" charset="0"/>
+                <a:cs typeface="Courier New" panose="02070309020205020404" pitchFamily="49" charset="0"/>
+              </a:rPr>
+              <a:t>SeqNo</a:t>
+            </a:r>
+            <a:r>
+              <a:rPr lang="en-US" sz="2600" b="1" dirty="0">
+                <a:latin typeface="Courier New" panose="02070309020205020404" pitchFamily="49" charset="0"/>
+                <a:cs typeface="Courier New" panose="02070309020205020404" pitchFamily="49" charset="0"/>
+              </a:rPr>
+              <a:t> += 1</a:t>
+            </a:r>
+          </a:p>
+        </p:txBody>
+      </p:sp>
+      <p:sp>
+        <p:nvSpPr>
+          <p:cNvPr id="5" name="TextBox 4">
+            <a:extLst>
+              <a:ext uri="{FF2B5EF4-FFF2-40B4-BE49-F238E27FC236}">
+                <a16:creationId xmlns:a16="http://schemas.microsoft.com/office/drawing/2014/main" id="{A3DB8783-3ABF-1F4C-976B-61A869F43637}"/>
+              </a:ext>
+            </a:extLst>
+          </p:cNvPr>
+          <p:cNvSpPr txBox="1"/>
+          <p:nvPr/>
+        </p:nvSpPr>
+        <p:spPr>
+          <a:xfrm>
+            <a:off x="696829" y="5848334"/>
+            <a:ext cx="11293709" cy="523220"/>
+          </a:xfrm>
+          <a:prstGeom prst="rect">
+            <a:avLst/>
+          </a:prstGeom>
+          <a:noFill/>
+        </p:spPr>
+        <p:txBody>
+          <a:bodyPr wrap="square" rtlCol="0">
+            <a:spAutoFit/>
+          </a:bodyPr>
+          <a:lstStyle/>
+          <a:p>
+            <a:r>
+              <a:rPr lang="en-US" sz="2800" dirty="0">
+                <a:latin typeface="Helvetica Light" panose="020B0403020202020204" pitchFamily="34" charset="0"/>
+                <a:cs typeface="Courier New" panose="02070309020205020404" pitchFamily="49" charset="0"/>
+              </a:rPr>
+              <a:t>Variables assigned within the loop live and die within the loop</a:t>
+            </a:r>
+            <a:endParaRPr lang="en-US" sz="2800" dirty="0">
+              <a:latin typeface="Helvetica Light" panose="020B0403020202020204" pitchFamily="34" charset="0"/>
+            </a:endParaRPr>
+          </a:p>
+        </p:txBody>
+      </p:sp>
+      <p:cxnSp>
+        <p:nvCxnSpPr>
+          <p:cNvPr id="7" name="Straight Arrow Connector 6">
+            <a:extLst>
+              <a:ext uri="{FF2B5EF4-FFF2-40B4-BE49-F238E27FC236}">
+                <a16:creationId xmlns:a16="http://schemas.microsoft.com/office/drawing/2014/main" id="{121D7742-3551-144C-97F1-E897491D0D9C}"/>
+              </a:ext>
+            </a:extLst>
+          </p:cNvPr>
+          <p:cNvCxnSpPr>
+            <a:cxnSpLocks/>
+          </p:cNvCxnSpPr>
+          <p:nvPr/>
+        </p:nvCxnSpPr>
+        <p:spPr>
+          <a:xfrm>
+            <a:off x="3739243" y="3671906"/>
+            <a:ext cx="1897628" cy="610728"/>
+          </a:xfrm>
+          <a:prstGeom prst="straightConnector1">
+            <a:avLst/>
+          </a:prstGeom>
+          <a:ln w="25400">
+            <a:solidFill>
+              <a:schemeClr val="bg2">
+                <a:lumMod val="50000"/>
+              </a:schemeClr>
+            </a:solidFill>
+            <a:tailEnd type="triangle"/>
+          </a:ln>
+        </p:spPr>
+        <p:style>
+          <a:lnRef idx="1">
+            <a:schemeClr val="accent1"/>
+          </a:lnRef>
+          <a:fillRef idx="0">
+            <a:schemeClr val="accent1"/>
+          </a:fillRef>
+          <a:effectRef idx="0">
+            <a:schemeClr val="accent1"/>
+          </a:effectRef>
+          <a:fontRef idx="minor">
+            <a:schemeClr val="tx1"/>
+          </a:fontRef>
+        </p:style>
+      </p:cxnSp>
+      <p:sp>
+        <p:nvSpPr>
+          <p:cNvPr id="12" name="TextBox 11">
+            <a:extLst>
+              <a:ext uri="{FF2B5EF4-FFF2-40B4-BE49-F238E27FC236}">
+                <a16:creationId xmlns:a16="http://schemas.microsoft.com/office/drawing/2014/main" id="{93B0879B-E4CA-BE48-98D9-2D55B5806A5F}"/>
+              </a:ext>
+            </a:extLst>
+          </p:cNvPr>
+          <p:cNvSpPr txBox="1"/>
+          <p:nvPr/>
+        </p:nvSpPr>
+        <p:spPr>
+          <a:xfrm>
+            <a:off x="2095638" y="2716532"/>
+            <a:ext cx="1643605" cy="1015663"/>
+          </a:xfrm>
+          <a:prstGeom prst="rect">
+            <a:avLst/>
+          </a:prstGeom>
+          <a:noFill/>
+        </p:spPr>
+        <p:txBody>
+          <a:bodyPr wrap="square" rtlCol="0">
+            <a:spAutoFit/>
+          </a:bodyPr>
+          <a:lstStyle/>
+          <a:p>
+            <a:r>
+              <a:rPr lang="en-US" sz="2000" dirty="0">
+                <a:latin typeface="Helvetica Light" panose="020B0403020202020204" pitchFamily="34" charset="0"/>
+              </a:rPr>
+              <a:t>Created new each time through loop</a:t>
+            </a:r>
+          </a:p>
+        </p:txBody>
+      </p:sp>
+      <p:cxnSp>
+        <p:nvCxnSpPr>
+          <p:cNvPr id="15" name="Straight Arrow Connector 14">
+            <a:extLst>
+              <a:ext uri="{FF2B5EF4-FFF2-40B4-BE49-F238E27FC236}">
+                <a16:creationId xmlns:a16="http://schemas.microsoft.com/office/drawing/2014/main" id="{D81B988D-2C41-1141-8685-1B4536E8926D}"/>
+              </a:ext>
+            </a:extLst>
+          </p:cNvPr>
+          <p:cNvCxnSpPr>
+            <a:cxnSpLocks/>
+          </p:cNvCxnSpPr>
+          <p:nvPr/>
+        </p:nvCxnSpPr>
+        <p:spPr>
+          <a:xfrm>
+            <a:off x="3739243" y="4930929"/>
+            <a:ext cx="1897628" cy="0"/>
+          </a:xfrm>
+          <a:prstGeom prst="straightConnector1">
+            <a:avLst/>
+          </a:prstGeom>
+          <a:ln w="25400">
+            <a:solidFill>
+              <a:schemeClr val="bg2">
+                <a:lumMod val="50000"/>
+              </a:schemeClr>
+            </a:solidFill>
+            <a:tailEnd type="triangle"/>
+          </a:ln>
+        </p:spPr>
+        <p:style>
+          <a:lnRef idx="1">
+            <a:schemeClr val="accent1"/>
+          </a:lnRef>
+          <a:fillRef idx="0">
+            <a:schemeClr val="accent1"/>
+          </a:fillRef>
+          <a:effectRef idx="0">
+            <a:schemeClr val="accent1"/>
+          </a:effectRef>
+          <a:fontRef idx="minor">
+            <a:schemeClr val="tx1"/>
+          </a:fontRef>
+        </p:style>
+      </p:cxnSp>
+      <p:sp>
+        <p:nvSpPr>
+          <p:cNvPr id="17" name="TextBox 16">
+            <a:extLst>
+              <a:ext uri="{FF2B5EF4-FFF2-40B4-BE49-F238E27FC236}">
+                <a16:creationId xmlns:a16="http://schemas.microsoft.com/office/drawing/2014/main" id="{BC534085-C573-D344-B452-3CC7EEDA747C}"/>
+              </a:ext>
+            </a:extLst>
+          </p:cNvPr>
+          <p:cNvSpPr txBox="1"/>
+          <p:nvPr/>
+        </p:nvSpPr>
+        <p:spPr>
+          <a:xfrm>
+            <a:off x="1568125" y="4423097"/>
+            <a:ext cx="2775275" cy="1015663"/>
+          </a:xfrm>
+          <a:prstGeom prst="rect">
+            <a:avLst/>
+          </a:prstGeom>
+          <a:noFill/>
+        </p:spPr>
+        <p:txBody>
+          <a:bodyPr wrap="square" rtlCol="0">
+            <a:spAutoFit/>
+          </a:bodyPr>
+          <a:lstStyle/>
+          <a:p>
+            <a:r>
+              <a:rPr lang="en-US" sz="2000" dirty="0">
+                <a:latin typeface="Helvetica Light" panose="020B0403020202020204" pitchFamily="34" charset="0"/>
+              </a:rPr>
+              <a:t>Initialized outside, grows each time through</a:t>
+            </a:r>
+          </a:p>
+        </p:txBody>
+      </p:sp>
+    </p:spTree>
+    <p:extLst>
+      <p:ext uri="{BB962C8B-B14F-4D97-AF65-F5344CB8AC3E}">
+        <p14:creationId xmlns:p14="http://schemas.microsoft.com/office/powerpoint/2010/main" val="2318550160"/>
+      </p:ext>
+    </p:extLst>
+  </p:cSld>
+  <p:clrMapOvr>
+    <a:masterClrMapping/>
+  </p:clrMapOvr>
+  <p:timing>
+    <p:tnLst>
+      <p:par>
+        <p:cTn id="1" dur="indefinite" restart="never" nodeType="tmRoot">
+          <p:childTnLst>
+            <p:seq concurrent="1" nextAc="seek">
+              <p:cTn id="2" dur="indefinite" nodeType="mainSeq">
+                <p:childTnLst>
+                  <p:par>
+                    <p:cTn id="3" fill="hold">
+                      <p:stCondLst>
+                        <p:cond delay="indefinite"/>
+                      </p:stCondLst>
+                      <p:childTnLst>
+                        <p:par>
+                          <p:cTn id="4" fill="hold">
+                            <p:stCondLst>
+                              <p:cond delay="0"/>
+                            </p:stCondLst>
+                            <p:childTnLst>
+                              <p:par>
+                                <p:cTn id="5" presetID="1" presetClass="entr" presetSubtype="0" fill="hold" nodeType="clickEffect">
+                                  <p:stCondLst>
+                                    <p:cond delay="0"/>
+                                  </p:stCondLst>
+                                  <p:childTnLst>
+                                    <p:set>
+                                      <p:cBhvr>
+                                        <p:cTn id="6" dur="1" fill="hold">
+                                          <p:stCondLst>
+                                            <p:cond delay="0"/>
+                                          </p:stCondLst>
+                                        </p:cTn>
+                                        <p:tgtEl>
+                                          <p:spTgt spid="7"/>
+                                        </p:tgtEl>
+                                        <p:attrNameLst>
+                                          <p:attrName>style.visibility</p:attrName>
+                                        </p:attrNameLst>
+                                      </p:cBhvr>
+                                      <p:to>
+                                        <p:strVal val="visible"/>
+                                      </p:to>
+                                    </p:set>
+                                  </p:childTnLst>
+                                </p:cTn>
+                              </p:par>
+                              <p:par>
+                                <p:cTn id="7" presetID="1" presetClass="entr" presetSubtype="0" fill="hold" grpId="0" nodeType="withEffect">
+                                  <p:stCondLst>
+                                    <p:cond delay="0"/>
+                                  </p:stCondLst>
+                                  <p:childTnLst>
+                                    <p:set>
+                                      <p:cBhvr>
+                                        <p:cTn id="8" dur="1" fill="hold">
+                                          <p:stCondLst>
+                                            <p:cond delay="0"/>
+                                          </p:stCondLst>
+                                        </p:cTn>
+                                        <p:tgtEl>
+                                          <p:spTgt spid="12"/>
+                                        </p:tgtEl>
+                                        <p:attrNameLst>
+                                          <p:attrName>style.visibility</p:attrName>
+                                        </p:attrNameLst>
+                                      </p:cBhvr>
+                                      <p:to>
+                                        <p:strVal val="visible"/>
+                                      </p:to>
+                                    </p:set>
+                                  </p:childTnLst>
+                                </p:cTn>
+                              </p:par>
+                            </p:childTnLst>
+                          </p:cTn>
+                        </p:par>
+                      </p:childTnLst>
+                    </p:cTn>
+                  </p:par>
+                  <p:par>
+                    <p:cTn id="9" fill="hold">
+                      <p:stCondLst>
+                        <p:cond delay="indefinite"/>
+                      </p:stCondLst>
+                      <p:childTnLst>
+                        <p:par>
+                          <p:cTn id="10" fill="hold">
+                            <p:stCondLst>
+                              <p:cond delay="0"/>
+                            </p:stCondLst>
+                            <p:childTnLst>
+                              <p:par>
+                                <p:cTn id="11" presetID="1" presetClass="entr" presetSubtype="0" fill="hold" grpId="0" nodeType="clickEffect">
+                                  <p:stCondLst>
+                                    <p:cond delay="0"/>
+                                  </p:stCondLst>
+                                  <p:childTnLst>
+                                    <p:set>
+                                      <p:cBhvr>
+                                        <p:cTn id="12" dur="1" fill="hold">
+                                          <p:stCondLst>
+                                            <p:cond delay="0"/>
+                                          </p:stCondLst>
+                                        </p:cTn>
+                                        <p:tgtEl>
+                                          <p:spTgt spid="17"/>
+                                        </p:tgtEl>
+                                        <p:attrNameLst>
+                                          <p:attrName>style.visibility</p:attrName>
+                                        </p:attrNameLst>
+                                      </p:cBhvr>
+                                      <p:to>
+                                        <p:strVal val="visible"/>
+                                      </p:to>
+                                    </p:set>
+                                  </p:childTnLst>
+                                </p:cTn>
+                              </p:par>
+                              <p:par>
+                                <p:cTn id="13" presetID="1" presetClass="entr" presetSubtype="0" fill="hold" nodeType="withEffect">
+                                  <p:stCondLst>
+                                    <p:cond delay="0"/>
+                                  </p:stCondLst>
+                                  <p:childTnLst>
+                                    <p:set>
+                                      <p:cBhvr>
+                                        <p:cTn id="14" dur="1" fill="hold">
+                                          <p:stCondLst>
+                                            <p:cond delay="0"/>
+                                          </p:stCondLst>
+                                        </p:cTn>
+                                        <p:tgtEl>
+                                          <p:spTgt spid="15"/>
+                                        </p:tgtEl>
+                                        <p:attrNameLst>
+                                          <p:attrName>style.visibility</p:attrName>
+                                        </p:attrNameLst>
+                                      </p:cBhvr>
+                                      <p:to>
+                                        <p:strVal val="visible"/>
+                                      </p:to>
+                                    </p:set>
+                                  </p:childTnLst>
+                                </p:cTn>
+                              </p:par>
+                            </p:childTnLst>
+                          </p:cTn>
+                        </p:par>
+                      </p:childTnLst>
+                    </p:cTn>
+                  </p:par>
+                </p:childTnLst>
+              </p:cTn>
+              <p:prevCondLst>
+                <p:cond evt="onPrev" delay="0">
+                  <p:tgtEl>
+                    <p:sldTgt/>
+                  </p:tgtEl>
+                </p:cond>
+              </p:prevCondLst>
+              <p:nextCondLst>
+                <p:cond evt="onNext" delay="0">
+                  <p:tgtEl>
+                    <p:sldTgt/>
+                  </p:tgtEl>
+                </p:cond>
+              </p:nextCondLst>
+            </p:seq>
+          </p:childTnLst>
+        </p:cTn>
+      </p:par>
+    </p:tnLst>
+    <p:bldLst>
+      <p:bldP spid="12" grpId="0"/>
+      <p:bldP spid="17" grpId="0"/>
+    </p:bldLst>
+  </p:timing>
+</p:sld>
+</file>
+
+<file path=ppt/slides/slide19.xml><?xml version="1.0" encoding="utf-8"?>
 <p:sld xmlns:a="http://schemas.openxmlformats.org/drawingml/2006/main" xmlns:r="http://schemas.openxmlformats.org/officeDocument/2006/relationships" xmlns:p="http://schemas.openxmlformats.org/presentationml/2006/main">
   <p:cSld>
     <p:spTree>
